--- a/sessions/2-R-intro.pptx
+++ b/sessions/2-R-intro.pptx
@@ -11047,6 +11047,7 @@
               </a:rPr>
               <a:t>covid apps</a:t>
             </a:r>
+            <a:br/>
           </a:p>
           <a:p>
             <a:pPr lvl="0" marL="0" indent="0">
@@ -11058,6 +11059,7 @@
               </a:rPr>
               <a:t>R/medicine conference starting tomorrow !</a:t>
             </a:r>
+            <a:br/>
           </a:p>
           <a:p>
             <a:pPr lvl="0" marL="0" indent="0">
@@ -11069,6 +11071,7 @@
               </a:rPr>
               <a:t>NHS R Community &amp; conference</a:t>
             </a:r>
+            <a:br/>
           </a:p>
         </p:txBody>
       </p:sp>

--- a/sessions/2-R-intro.pptx
+++ b/sessions/2-R-intro.pptx
@@ -7988,7 +7988,7 @@
       </p:sp>
       <p:pic>
         <p:nvPicPr>
-          <p:cNvPr descr="../Images/Function1.png" id="0" name="Picture 1"/>
+          <p:cNvPr descr="../images/Function1.png" id="0" name="Picture 1"/>
           <p:cNvPicPr>
             <a:picLocks noGrp="1" noChangeAspect="1"/>
           </p:cNvPicPr>
@@ -8087,7 +8087,7 @@
       </p:sp>
       <p:pic>
         <p:nvPicPr>
-          <p:cNvPr descr="../Images/Function2.png" id="0" name="Picture 1"/>
+          <p:cNvPr descr="../images/Function2.png" id="0" name="Picture 1"/>
           <p:cNvPicPr>
             <a:picLocks noGrp="1" noChangeAspect="1"/>
           </p:cNvPicPr>
@@ -8305,7 +8305,7 @@
       </p:sp>
       <p:pic>
         <p:nvPicPr>
-          <p:cNvPr descr="../Images/Function3.png" id="0" name="Picture 1"/>
+          <p:cNvPr descr="../images/Function3.png" id="0" name="Picture 1"/>
           <p:cNvPicPr>
             <a:picLocks noGrp="1" noChangeAspect="1"/>
           </p:cNvPicPr>
@@ -8540,7 +8540,7 @@
       </p:sp>
       <p:pic>
         <p:nvPicPr>
-          <p:cNvPr descr="../Images/Function4.png" id="0" name="Picture 1"/>
+          <p:cNvPr descr="../images/Function4.png" id="0" name="Picture 1"/>
           <p:cNvPicPr>
             <a:picLocks noGrp="1" noChangeAspect="1"/>
           </p:cNvPicPr>
@@ -9432,7 +9432,7 @@
       </p:sp>
       <p:pic>
         <p:nvPicPr>
-          <p:cNvPr descr="../Images/HelpPage.png" id="0" name="Picture 1"/>
+          <p:cNvPr descr="../images/HelpPage.png" id="0" name="Picture 1"/>
           <p:cNvPicPr>
             <a:picLocks noGrp="1" noChangeAspect="1"/>
           </p:cNvPicPr>
@@ -10177,6 +10177,10 @@
               </a:rPr>
               <a:t>library([package name])</a:t>
             </a:r>
+            <a:r>
+              <a:rPr/>
+              <a:t> </a:t>
+            </a:r>
           </a:p>
           <a:p>
             <a:pPr lvl="0" marL="0" indent="0">
@@ -10202,16 +10206,12 @@
             </a:pPr>
             <a:r>
               <a:rPr/>
-              <a:t>library - do every time you start R / enter room</a:t>
-            </a:r>
-          </a:p>
-          <a:p>
-            <a:pPr lvl="0" marL="0" indent="0">
-              <a:buNone/>
-            </a:pPr>
-            <a:r>
-              <a:rPr/>
-              <a:t>We have already installed required packages for you. Limitations to installing packages on some NHS systems.</a:t>
+              <a:t>library - do every time you start R / enter room  We have already installed required packages for you.</a:t>
+            </a:r>
+            <a:br/>
+            <a:r>
+              <a:rPr/>
+              <a:t> Limitations to installing packages on some NHS systems.</a:t>
             </a:r>
           </a:p>
         </p:txBody>
@@ -10777,7 +10777,7 @@
       </p:sp>
       <p:pic>
         <p:nvPicPr>
-          <p:cNvPr descr="../Images/01-r-python-bike-analogy.png" id="0" name="Picture 1"/>
+          <p:cNvPr descr="../images/01-r-python-bike-analogy.png" id="0" name="Picture 1"/>
           <p:cNvPicPr>
             <a:picLocks noGrp="1" noChangeAspect="1"/>
           </p:cNvPicPr>
@@ -11047,6 +11047,10 @@
               </a:rPr>
               <a:t>covid apps</a:t>
             </a:r>
+            <a:r>
+              <a:rPr/>
+              <a:t> (all made with R)</a:t>
+            </a:r>
             <a:br/>
           </a:p>
           <a:p>
@@ -11072,6 +11076,21 @@
               <a:t>NHS R Community &amp; conference</a:t>
             </a:r>
             <a:br/>
+          </a:p>
+          <a:p>
+            <a:pPr lvl="0" marL="0" indent="0">
+              <a:buNone/>
+            </a:pPr>
+            <a:r>
+              <a:rPr>
+                <a:hlinkClick r:id="rId6"/>
+              </a:rPr>
+              <a:t>NHS R community datasets for learning</a:t>
+            </a:r>
+            <a:r>
+              <a:rPr/>
+              <a:t>(I only found this yesterday)</a:t>
+            </a:r>
           </a:p>
         </p:txBody>
       </p:sp>
